--- a/OWL.pptx
+++ b/OWL.pptx
@@ -7,9 +7,12 @@
   <p:sldIdLst>
     <p:sldId id="257" r:id="rId2"/>
     <p:sldId id="258" r:id="rId3"/>
-    <p:sldId id="259" r:id="rId4"/>
-    <p:sldId id="260" r:id="rId5"/>
-    <p:sldId id="261" r:id="rId6"/>
+    <p:sldId id="260" r:id="rId4"/>
+    <p:sldId id="262" r:id="rId5"/>
+    <p:sldId id="263" r:id="rId6"/>
+    <p:sldId id="264" r:id="rId7"/>
+    <p:sldId id="265" r:id="rId8"/>
+    <p:sldId id="261" r:id="rId9"/>
   </p:sldIdLst>
   <p:sldSz cx="9144000" cy="6858000" type="screen4x3"/>
   <p:notesSz cx="6858000" cy="9144000"/>
@@ -3325,16 +3328,29 @@
             <p:ph type="title"/>
           </p:nvPr>
         </p:nvSpPr>
-        <p:spPr/>
-        <p:txBody>
-          <a:bodyPr/>
-          <a:lstStyle/>
-          <a:p>
-            <a:r>
-              <a:rPr lang="en-US" dirty="0" smtClean="0"/>
+        <p:spPr>
+          <a:xfrm>
+            <a:off x="457200" y="21771"/>
+            <a:ext cx="8229600" cy="1143000"/>
+          </a:xfrm>
+        </p:spPr>
+        <p:txBody>
+          <a:bodyPr/>
+          <a:lstStyle/>
+          <a:p>
+            <a:r>
+              <a:rPr lang="en-US" b="1" dirty="0" smtClean="0">
+                <a:solidFill>
+                  <a:srgbClr val="00B0F0"/>
+                </a:solidFill>
+              </a:rPr>
               <a:t>Current Functionality</a:t>
             </a:r>
-            <a:endParaRPr lang="en-US" dirty="0"/>
+            <a:endParaRPr lang="en-US" b="1" dirty="0">
+              <a:solidFill>
+                <a:srgbClr val="00B0F0"/>
+              </a:solidFill>
+            </a:endParaRPr>
           </a:p>
         </p:txBody>
       </p:sp>
@@ -3348,7 +3364,12 @@
             <p:ph idx="1"/>
           </p:nvPr>
         </p:nvSpPr>
-        <p:spPr/>
+        <p:spPr>
+          <a:xfrm>
+            <a:off x="457200" y="1143000"/>
+            <a:ext cx="8229600" cy="4525963"/>
+          </a:xfrm>
+        </p:spPr>
         <p:txBody>
           <a:bodyPr>
             <a:normAutofit lnSpcReduction="10000"/>
@@ -3417,6 +3438,144 @@
           </a:p>
         </p:txBody>
       </p:sp>
+      <p:grpSp>
+        <p:nvGrpSpPr>
+          <p:cNvPr id="4" name="Group 3"/>
+          <p:cNvGrpSpPr/>
+          <p:nvPr/>
+        </p:nvGrpSpPr>
+        <p:grpSpPr>
+          <a:xfrm>
+            <a:off x="152400" y="5541963"/>
+            <a:ext cx="2743200" cy="1326016"/>
+            <a:chOff x="152400" y="5541963"/>
+            <a:chExt cx="2743200" cy="1326016"/>
+          </a:xfrm>
+        </p:grpSpPr>
+        <p:pic>
+          <p:nvPicPr>
+            <p:cNvPr id="5" name="Picture 2" descr="C:\Users\gching\Desktop\Hackathon - Owl\pics\O.png"/>
+            <p:cNvPicPr>
+              <a:picLocks noChangeAspect="1" noChangeArrowheads="1"/>
+            </p:cNvPicPr>
+            <p:nvPr/>
+          </p:nvPicPr>
+          <p:blipFill>
+            <a:blip r:embed="rId2">
+              <a:extLst>
+                <a:ext uri="{28A0092B-C50C-407E-A947-70E740481C1C}">
+                  <a14:useLocalDpi xmlns:a14="http://schemas.microsoft.com/office/drawing/2010/main" val="0"/>
+                </a:ext>
+              </a:extLst>
+            </a:blip>
+            <a:srcRect/>
+            <a:stretch>
+              <a:fillRect/>
+            </a:stretch>
+          </p:blipFill>
+          <p:spPr bwMode="auto">
+            <a:xfrm rot="20566509">
+              <a:off x="152400" y="5541963"/>
+              <a:ext cx="965200" cy="1054100"/>
+            </a:xfrm>
+            <a:prstGeom prst="rect">
+              <a:avLst/>
+            </a:prstGeom>
+            <a:noFill/>
+            <a:extLst>
+              <a:ext uri="{909E8E84-426E-40DD-AFC4-6F175D3DCCD1}">
+                <a14:hiddenFill xmlns:a14="http://schemas.microsoft.com/office/drawing/2010/main">
+                  <a:solidFill>
+                    <a:srgbClr val="FFFFFF"/>
+                  </a:solidFill>
+                </a14:hiddenFill>
+              </a:ext>
+            </a:extLst>
+          </p:spPr>
+        </p:pic>
+        <p:pic>
+          <p:nvPicPr>
+            <p:cNvPr id="6" name="Picture 3" descr="C:\Users\gching\Desktop\Hackathon - Owl\pics\W.png"/>
+            <p:cNvPicPr>
+              <a:picLocks noChangeAspect="1" noChangeArrowheads="1"/>
+            </p:cNvPicPr>
+            <p:nvPr/>
+          </p:nvPicPr>
+          <p:blipFill>
+            <a:blip r:embed="rId3">
+              <a:extLst>
+                <a:ext uri="{28A0092B-C50C-407E-A947-70E740481C1C}">
+                  <a14:useLocalDpi xmlns:a14="http://schemas.microsoft.com/office/drawing/2010/main" val="0"/>
+                </a:ext>
+              </a:extLst>
+            </a:blip>
+            <a:srcRect/>
+            <a:stretch>
+              <a:fillRect/>
+            </a:stretch>
+          </p:blipFill>
+          <p:spPr bwMode="auto">
+            <a:xfrm>
+              <a:off x="990600" y="5864679"/>
+              <a:ext cx="1270000" cy="1003300"/>
+            </a:xfrm>
+            <a:prstGeom prst="rect">
+              <a:avLst/>
+            </a:prstGeom>
+            <a:noFill/>
+            <a:extLst>
+              <a:ext uri="{909E8E84-426E-40DD-AFC4-6F175D3DCCD1}">
+                <a14:hiddenFill xmlns:a14="http://schemas.microsoft.com/office/drawing/2010/main">
+                  <a:solidFill>
+                    <a:srgbClr val="FFFFFF"/>
+                  </a:solidFill>
+                </a14:hiddenFill>
+              </a:ext>
+            </a:extLst>
+          </p:spPr>
+        </p:pic>
+        <p:pic>
+          <p:nvPicPr>
+            <p:cNvPr id="7" name="Picture 4" descr="C:\Users\gching\Desktop\Hackathon - Owl\pics\L.png"/>
+            <p:cNvPicPr>
+              <a:picLocks noChangeAspect="1" noChangeArrowheads="1"/>
+            </p:cNvPicPr>
+            <p:nvPr/>
+          </p:nvPicPr>
+          <p:blipFill>
+            <a:blip r:embed="rId4">
+              <a:extLst>
+                <a:ext uri="{28A0092B-C50C-407E-A947-70E740481C1C}">
+                  <a14:useLocalDpi xmlns:a14="http://schemas.microsoft.com/office/drawing/2010/main" val="0"/>
+                </a:ext>
+              </a:extLst>
+            </a:blip>
+            <a:srcRect/>
+            <a:stretch>
+              <a:fillRect/>
+            </a:stretch>
+          </p:blipFill>
+          <p:spPr bwMode="auto">
+            <a:xfrm rot="742903">
+              <a:off x="2057400" y="5554663"/>
+              <a:ext cx="838200" cy="1028700"/>
+            </a:xfrm>
+            <a:prstGeom prst="rect">
+              <a:avLst/>
+            </a:prstGeom>
+            <a:noFill/>
+            <a:extLst>
+              <a:ext uri="{909E8E84-426E-40DD-AFC4-6F175D3DCCD1}">
+                <a14:hiddenFill xmlns:a14="http://schemas.microsoft.com/office/drawing/2010/main">
+                  <a:solidFill>
+                    <a:srgbClr val="FFFFFF"/>
+                  </a:solidFill>
+                </a14:hiddenFill>
+              </a:ext>
+            </a:extLst>
+          </p:spPr>
+        </p:pic>
+      </p:grpSp>
     </p:spTree>
     <p:extLst>
       <p:ext uri="{BB962C8B-B14F-4D97-AF65-F5344CB8AC3E}">
@@ -3470,72 +3629,216 @@
           <a:lstStyle/>
           <a:p>
             <a:r>
+              <a:rPr lang="en-US" b="1" dirty="0" smtClean="0">
+                <a:solidFill>
+                  <a:srgbClr val="00B0F0"/>
+                </a:solidFill>
+              </a:rPr>
+              <a:t>Technologies Used</a:t>
+            </a:r>
+            <a:endParaRPr lang="en-US" b="1" dirty="0">
+              <a:solidFill>
+                <a:srgbClr val="00B0F0"/>
+              </a:solidFill>
+            </a:endParaRPr>
+          </a:p>
+        </p:txBody>
+      </p:sp>
+      <p:sp>
+        <p:nvSpPr>
+          <p:cNvPr id="3" name="Content Placeholder 2"/>
+          <p:cNvSpPr>
+            <a:spLocks noGrp="1"/>
+          </p:cNvSpPr>
+          <p:nvPr>
+            <p:ph idx="1"/>
+          </p:nvPr>
+        </p:nvSpPr>
+        <p:spPr/>
+        <p:txBody>
+          <a:bodyPr/>
+          <a:lstStyle/>
+          <a:p>
+            <a:r>
               <a:rPr lang="en-US" dirty="0" smtClean="0"/>
-              <a:t>Future Functionality</a:t>
+              <a:t>Angular JS</a:t>
+            </a:r>
+          </a:p>
+          <a:p>
+            <a:r>
+              <a:rPr lang="en-US" dirty="0" smtClean="0"/>
+              <a:t>Flask</a:t>
+            </a:r>
+          </a:p>
+          <a:p>
+            <a:r>
+              <a:rPr lang="en-US" dirty="0" smtClean="0"/>
+              <a:t>Python</a:t>
+            </a:r>
+          </a:p>
+          <a:p>
+            <a:r>
+              <a:rPr lang="en-US" dirty="0" smtClean="0"/>
+              <a:t>SQLite</a:t>
+            </a:r>
+          </a:p>
+          <a:p>
+            <a:r>
+              <a:rPr lang="en-US" dirty="0" smtClean="0"/>
+              <a:t>Brackets (Editor)</a:t>
+            </a:r>
+          </a:p>
+          <a:p>
+            <a:r>
+              <a:rPr lang="en-US" dirty="0" err="1" smtClean="0"/>
+              <a:t>Github</a:t>
             </a:r>
             <a:endParaRPr lang="en-US" dirty="0"/>
           </a:p>
         </p:txBody>
       </p:sp>
-      <p:sp>
-        <p:nvSpPr>
-          <p:cNvPr id="3" name="Content Placeholder 2"/>
-          <p:cNvSpPr>
-            <a:spLocks noGrp="1"/>
-          </p:cNvSpPr>
-          <p:nvPr>
-            <p:ph idx="1"/>
-          </p:nvPr>
-        </p:nvSpPr>
-        <p:spPr/>
-        <p:txBody>
-          <a:bodyPr/>
-          <a:lstStyle/>
-          <a:p>
-            <a:r>
-              <a:rPr lang="en-US" dirty="0" smtClean="0"/>
-              <a:t>Automatically determine username of user</a:t>
-            </a:r>
-          </a:p>
-          <a:p>
-            <a:r>
-              <a:rPr lang="en-US" dirty="0" smtClean="0"/>
-              <a:t>Users as admin</a:t>
-            </a:r>
-          </a:p>
-          <a:p>
-            <a:r>
-              <a:rPr lang="en-US" dirty="0" smtClean="0"/>
-              <a:t>Waiting list</a:t>
-            </a:r>
-          </a:p>
-          <a:p>
-            <a:r>
-              <a:rPr lang="en-US" dirty="0" smtClean="0"/>
-              <a:t>Notifications for:</a:t>
-            </a:r>
-          </a:p>
-          <a:p>
-            <a:pPr lvl="1"/>
-            <a:r>
-              <a:rPr lang="en-US" dirty="0" smtClean="0"/>
-              <a:t>Due date reminders</a:t>
-            </a:r>
-          </a:p>
-          <a:p>
-            <a:pPr lvl="1"/>
-            <a:r>
-              <a:rPr lang="en-US" dirty="0" smtClean="0"/>
-              <a:t>Availability of books on waiting list</a:t>
-            </a:r>
-            <a:endParaRPr lang="en-US" dirty="0"/>
-          </a:p>
-        </p:txBody>
-      </p:sp>
+      <p:grpSp>
+        <p:nvGrpSpPr>
+          <p:cNvPr id="4" name="Group 3"/>
+          <p:cNvGrpSpPr/>
+          <p:nvPr/>
+        </p:nvGrpSpPr>
+        <p:grpSpPr>
+          <a:xfrm>
+            <a:off x="152400" y="5541963"/>
+            <a:ext cx="2743200" cy="1326016"/>
+            <a:chOff x="152400" y="5541963"/>
+            <a:chExt cx="2743200" cy="1326016"/>
+          </a:xfrm>
+        </p:grpSpPr>
+        <p:pic>
+          <p:nvPicPr>
+            <p:cNvPr id="5" name="Picture 2" descr="C:\Users\gching\Desktop\Hackathon - Owl\pics\O.png"/>
+            <p:cNvPicPr>
+              <a:picLocks noChangeAspect="1" noChangeArrowheads="1"/>
+            </p:cNvPicPr>
+            <p:nvPr/>
+          </p:nvPicPr>
+          <p:blipFill>
+            <a:blip r:embed="rId2">
+              <a:extLst>
+                <a:ext uri="{28A0092B-C50C-407E-A947-70E740481C1C}">
+                  <a14:useLocalDpi xmlns:a14="http://schemas.microsoft.com/office/drawing/2010/main" val="0"/>
+                </a:ext>
+              </a:extLst>
+            </a:blip>
+            <a:srcRect/>
+            <a:stretch>
+              <a:fillRect/>
+            </a:stretch>
+          </p:blipFill>
+          <p:spPr bwMode="auto">
+            <a:xfrm rot="20566509">
+              <a:off x="152400" y="5541963"/>
+              <a:ext cx="965200" cy="1054100"/>
+            </a:xfrm>
+            <a:prstGeom prst="rect">
+              <a:avLst/>
+            </a:prstGeom>
+            <a:noFill/>
+            <a:extLst>
+              <a:ext uri="{909E8E84-426E-40DD-AFC4-6F175D3DCCD1}">
+                <a14:hiddenFill xmlns:a14="http://schemas.microsoft.com/office/drawing/2010/main">
+                  <a:solidFill>
+                    <a:srgbClr val="FFFFFF"/>
+                  </a:solidFill>
+                </a14:hiddenFill>
+              </a:ext>
+            </a:extLst>
+          </p:spPr>
+        </p:pic>
+        <p:pic>
+          <p:nvPicPr>
+            <p:cNvPr id="6" name="Picture 3" descr="C:\Users\gching\Desktop\Hackathon - Owl\pics\W.png"/>
+            <p:cNvPicPr>
+              <a:picLocks noChangeAspect="1" noChangeArrowheads="1"/>
+            </p:cNvPicPr>
+            <p:nvPr/>
+          </p:nvPicPr>
+          <p:blipFill>
+            <a:blip r:embed="rId3">
+              <a:extLst>
+                <a:ext uri="{28A0092B-C50C-407E-A947-70E740481C1C}">
+                  <a14:useLocalDpi xmlns:a14="http://schemas.microsoft.com/office/drawing/2010/main" val="0"/>
+                </a:ext>
+              </a:extLst>
+            </a:blip>
+            <a:srcRect/>
+            <a:stretch>
+              <a:fillRect/>
+            </a:stretch>
+          </p:blipFill>
+          <p:spPr bwMode="auto">
+            <a:xfrm>
+              <a:off x="990600" y="5864679"/>
+              <a:ext cx="1270000" cy="1003300"/>
+            </a:xfrm>
+            <a:prstGeom prst="rect">
+              <a:avLst/>
+            </a:prstGeom>
+            <a:noFill/>
+            <a:extLst>
+              <a:ext uri="{909E8E84-426E-40DD-AFC4-6F175D3DCCD1}">
+                <a14:hiddenFill xmlns:a14="http://schemas.microsoft.com/office/drawing/2010/main">
+                  <a:solidFill>
+                    <a:srgbClr val="FFFFFF"/>
+                  </a:solidFill>
+                </a14:hiddenFill>
+              </a:ext>
+            </a:extLst>
+          </p:spPr>
+        </p:pic>
+        <p:pic>
+          <p:nvPicPr>
+            <p:cNvPr id="7" name="Picture 4" descr="C:\Users\gching\Desktop\Hackathon - Owl\pics\L.png"/>
+            <p:cNvPicPr>
+              <a:picLocks noChangeAspect="1" noChangeArrowheads="1"/>
+            </p:cNvPicPr>
+            <p:nvPr/>
+          </p:nvPicPr>
+          <p:blipFill>
+            <a:blip r:embed="rId4">
+              <a:extLst>
+                <a:ext uri="{28A0092B-C50C-407E-A947-70E740481C1C}">
+                  <a14:useLocalDpi xmlns:a14="http://schemas.microsoft.com/office/drawing/2010/main" val="0"/>
+                </a:ext>
+              </a:extLst>
+            </a:blip>
+            <a:srcRect/>
+            <a:stretch>
+              <a:fillRect/>
+            </a:stretch>
+          </p:blipFill>
+          <p:spPr bwMode="auto">
+            <a:xfrm rot="742903">
+              <a:off x="2057400" y="5554663"/>
+              <a:ext cx="838200" cy="1028700"/>
+            </a:xfrm>
+            <a:prstGeom prst="rect">
+              <a:avLst/>
+            </a:prstGeom>
+            <a:noFill/>
+            <a:extLst>
+              <a:ext uri="{909E8E84-426E-40DD-AFC4-6F175D3DCCD1}">
+                <a14:hiddenFill xmlns:a14="http://schemas.microsoft.com/office/drawing/2010/main">
+                  <a:solidFill>
+                    <a:srgbClr val="FFFFFF"/>
+                  </a:solidFill>
+                </a14:hiddenFill>
+              </a:ext>
+            </a:extLst>
+          </p:spPr>
+        </p:pic>
+      </p:grpSp>
     </p:spTree>
     <p:extLst>
       <p:ext uri="{BB962C8B-B14F-4D97-AF65-F5344CB8AC3E}">
-        <p14:creationId xmlns:p14="http://schemas.microsoft.com/office/powerpoint/2010/main" val="345641479"/>
+        <p14:creationId xmlns:p14="http://schemas.microsoft.com/office/powerpoint/2010/main" val="2228095266"/>
       </p:ext>
     </p:extLst>
   </p:cSld>
@@ -3569,6 +3872,47 @@
           <a:chExt cx="0" cy="0"/>
         </a:xfrm>
       </p:grpSpPr>
+      <p:pic>
+        <p:nvPicPr>
+          <p:cNvPr id="3074" name="Picture 2" descr="C:\Users\gching\Desktop\blue-book-preview.png"/>
+          <p:cNvPicPr>
+            <a:picLocks noChangeAspect="1" noChangeArrowheads="1"/>
+          </p:cNvPicPr>
+          <p:nvPr/>
+        </p:nvPicPr>
+        <p:blipFill>
+          <a:blip r:embed="rId2">
+            <a:extLst>
+              <a:ext uri="{28A0092B-C50C-407E-A947-70E740481C1C}">
+                <a14:useLocalDpi xmlns:a14="http://schemas.microsoft.com/office/drawing/2010/main" val="0"/>
+              </a:ext>
+            </a:extLst>
+          </a:blip>
+          <a:srcRect/>
+          <a:stretch>
+            <a:fillRect/>
+          </a:stretch>
+        </p:blipFill>
+        <p:spPr bwMode="auto">
+          <a:xfrm>
+            <a:off x="4663828" y="381000"/>
+            <a:ext cx="4447515" cy="3743325"/>
+          </a:xfrm>
+          <a:prstGeom prst="rect">
+            <a:avLst/>
+          </a:prstGeom>
+          <a:noFill/>
+          <a:extLst>
+            <a:ext uri="{909E8E84-426E-40DD-AFC4-6F175D3DCCD1}">
+              <a14:hiddenFill xmlns:a14="http://schemas.microsoft.com/office/drawing/2010/main">
+                <a:solidFill>
+                  <a:srgbClr val="FFFFFF"/>
+                </a:solidFill>
+              </a14:hiddenFill>
+            </a:ext>
+          </a:extLst>
+        </p:spPr>
+      </p:pic>
       <p:sp>
         <p:nvSpPr>
           <p:cNvPr id="2" name="Title 1"/>
@@ -3584,71 +3928,264 @@
           <a:bodyPr/>
           <a:lstStyle/>
           <a:p>
+            <a:pPr algn="l"/>
+            <a:r>
+              <a:rPr lang="en-US" b="1" dirty="0" smtClean="0">
+                <a:solidFill>
+                  <a:srgbClr val="00B0F0"/>
+                </a:solidFill>
+              </a:rPr>
+              <a:t>Schema</a:t>
+            </a:r>
+            <a:endParaRPr lang="en-US" b="1" dirty="0">
+              <a:solidFill>
+                <a:srgbClr val="00B0F0"/>
+              </a:solidFill>
+            </a:endParaRPr>
+          </a:p>
+        </p:txBody>
+      </p:sp>
+      <p:sp>
+        <p:nvSpPr>
+          <p:cNvPr id="5" name="Content Placeholder 4"/>
+          <p:cNvSpPr>
+            <a:spLocks noGrp="1"/>
+          </p:cNvSpPr>
+          <p:nvPr>
+            <p:ph idx="1"/>
+          </p:nvPr>
+        </p:nvSpPr>
+        <p:spPr/>
+        <p:txBody>
+          <a:bodyPr/>
+          <a:lstStyle/>
+          <a:p>
             <a:r>
               <a:rPr lang="en-US" dirty="0" smtClean="0"/>
-              <a:t>Technologies Used</a:t>
-            </a:r>
+              <a:t>BOOK</a:t>
+            </a:r>
+          </a:p>
+          <a:p>
+            <a:pPr lvl="1"/>
+            <a:r>
+              <a:rPr lang="en-US" dirty="0" err="1" smtClean="0"/>
+              <a:t>bookId</a:t>
+            </a:r>
+            <a:r>
+              <a:rPr lang="en-US" dirty="0" smtClean="0"/>
+              <a:t> INTEGER AUTOINCREMENT PK</a:t>
+            </a:r>
+          </a:p>
+          <a:p>
+            <a:pPr lvl="1"/>
+            <a:r>
+              <a:rPr lang="en-US" dirty="0"/>
+              <a:t>t</a:t>
+            </a:r>
+            <a:r>
+              <a:rPr lang="en-US" dirty="0" smtClean="0"/>
+              <a:t>itle CHAR(100)</a:t>
+            </a:r>
+          </a:p>
+          <a:p>
+            <a:pPr lvl="1"/>
+            <a:r>
+              <a:rPr lang="en-US" dirty="0" err="1"/>
+              <a:t>i</a:t>
+            </a:r>
+            <a:r>
+              <a:rPr lang="en-US" dirty="0" err="1" smtClean="0"/>
+              <a:t>sbn</a:t>
+            </a:r>
+            <a:r>
+              <a:rPr lang="en-US" dirty="0" smtClean="0"/>
+              <a:t> CHAR(100)</a:t>
+            </a:r>
+          </a:p>
+          <a:p>
+            <a:pPr lvl="1"/>
+            <a:r>
+              <a:rPr lang="en-US" dirty="0"/>
+              <a:t>g</a:t>
+            </a:r>
+            <a:r>
+              <a:rPr lang="en-US" dirty="0" smtClean="0"/>
+              <a:t>enre CHAR(100)</a:t>
+            </a:r>
+          </a:p>
+          <a:p>
+            <a:pPr lvl="1"/>
+            <a:r>
+              <a:rPr lang="en-US" dirty="0"/>
+              <a:t>a</a:t>
+            </a:r>
+            <a:r>
+              <a:rPr lang="en-US" dirty="0" smtClean="0"/>
+              <a:t>uthor CHAR(100)</a:t>
+            </a:r>
+          </a:p>
+          <a:p>
+            <a:pPr lvl="1"/>
+            <a:r>
+              <a:rPr lang="en-US" dirty="0" err="1"/>
+              <a:t>a</a:t>
+            </a:r>
+            <a:r>
+              <a:rPr lang="en-US" dirty="0" err="1" smtClean="0"/>
+              <a:t>vail_flag</a:t>
+            </a:r>
+            <a:r>
+              <a:rPr lang="en-US" dirty="0" smtClean="0"/>
+              <a:t> BOOLEAN NOT NULL</a:t>
+            </a:r>
+          </a:p>
+          <a:p>
             <a:endParaRPr lang="en-US" dirty="0"/>
           </a:p>
         </p:txBody>
       </p:sp>
-      <p:sp>
-        <p:nvSpPr>
-          <p:cNvPr id="3" name="Content Placeholder 2"/>
-          <p:cNvSpPr>
-            <a:spLocks noGrp="1"/>
-          </p:cNvSpPr>
-          <p:nvPr>
-            <p:ph idx="1"/>
-          </p:nvPr>
-        </p:nvSpPr>
-        <p:spPr/>
-        <p:txBody>
-          <a:bodyPr/>
-          <a:lstStyle/>
-          <a:p>
-            <a:r>
-              <a:rPr lang="en-US" dirty="0" smtClean="0"/>
-              <a:t>Angular JS</a:t>
-            </a:r>
-          </a:p>
-          <a:p>
-            <a:r>
-              <a:rPr lang="en-US" dirty="0" smtClean="0"/>
-              <a:t>Flask</a:t>
-            </a:r>
-          </a:p>
-          <a:p>
-            <a:r>
-              <a:rPr lang="en-US" dirty="0" smtClean="0"/>
-              <a:t>Python</a:t>
-            </a:r>
-          </a:p>
-          <a:p>
-            <a:r>
-              <a:rPr lang="en-US" dirty="0" smtClean="0"/>
-              <a:t>SQLite</a:t>
-            </a:r>
-          </a:p>
-          <a:p>
-            <a:r>
-              <a:rPr lang="en-US" dirty="0" smtClean="0"/>
-              <a:t>Brackets (Editor)</a:t>
-            </a:r>
-          </a:p>
-          <a:p>
-            <a:r>
-              <a:rPr lang="en-US" dirty="0" err="1" smtClean="0"/>
-              <a:t>Github</a:t>
-            </a:r>
-            <a:endParaRPr lang="en-US" dirty="0"/>
-          </a:p>
-        </p:txBody>
-      </p:sp>
+      <p:grpSp>
+        <p:nvGrpSpPr>
+          <p:cNvPr id="6" name="Group 5"/>
+          <p:cNvGrpSpPr/>
+          <p:nvPr/>
+        </p:nvGrpSpPr>
+        <p:grpSpPr>
+          <a:xfrm>
+            <a:off x="152400" y="5541963"/>
+            <a:ext cx="2743200" cy="1326016"/>
+            <a:chOff x="152400" y="5541963"/>
+            <a:chExt cx="2743200" cy="1326016"/>
+          </a:xfrm>
+        </p:grpSpPr>
+        <p:pic>
+          <p:nvPicPr>
+            <p:cNvPr id="2050" name="Picture 2" descr="C:\Users\gching\Desktop\Hackathon - Owl\pics\O.png"/>
+            <p:cNvPicPr>
+              <a:picLocks noChangeAspect="1" noChangeArrowheads="1"/>
+            </p:cNvPicPr>
+            <p:nvPr/>
+          </p:nvPicPr>
+          <p:blipFill>
+            <a:blip r:embed="rId3">
+              <a:extLst>
+                <a:ext uri="{28A0092B-C50C-407E-A947-70E740481C1C}">
+                  <a14:useLocalDpi xmlns:a14="http://schemas.microsoft.com/office/drawing/2010/main" val="0"/>
+                </a:ext>
+              </a:extLst>
+            </a:blip>
+            <a:srcRect/>
+            <a:stretch>
+              <a:fillRect/>
+            </a:stretch>
+          </p:blipFill>
+          <p:spPr bwMode="auto">
+            <a:xfrm rot="20566509">
+              <a:off x="152400" y="5541963"/>
+              <a:ext cx="965200" cy="1054100"/>
+            </a:xfrm>
+            <a:prstGeom prst="rect">
+              <a:avLst/>
+            </a:prstGeom>
+            <a:noFill/>
+            <a:extLst>
+              <a:ext uri="{909E8E84-426E-40DD-AFC4-6F175D3DCCD1}">
+                <a14:hiddenFill xmlns:a14="http://schemas.microsoft.com/office/drawing/2010/main">
+                  <a:solidFill>
+                    <a:srgbClr val="FFFFFF"/>
+                  </a:solidFill>
+                </a14:hiddenFill>
+              </a:ext>
+            </a:extLst>
+          </p:spPr>
+        </p:pic>
+        <p:pic>
+          <p:nvPicPr>
+            <p:cNvPr id="2051" name="Picture 3" descr="C:\Users\gching\Desktop\Hackathon - Owl\pics\W.png"/>
+            <p:cNvPicPr>
+              <a:picLocks noChangeAspect="1" noChangeArrowheads="1"/>
+            </p:cNvPicPr>
+            <p:nvPr/>
+          </p:nvPicPr>
+          <p:blipFill>
+            <a:blip r:embed="rId4">
+              <a:extLst>
+                <a:ext uri="{28A0092B-C50C-407E-A947-70E740481C1C}">
+                  <a14:useLocalDpi xmlns:a14="http://schemas.microsoft.com/office/drawing/2010/main" val="0"/>
+                </a:ext>
+              </a:extLst>
+            </a:blip>
+            <a:srcRect/>
+            <a:stretch>
+              <a:fillRect/>
+            </a:stretch>
+          </p:blipFill>
+          <p:spPr bwMode="auto">
+            <a:xfrm>
+              <a:off x="990600" y="5864679"/>
+              <a:ext cx="1270000" cy="1003300"/>
+            </a:xfrm>
+            <a:prstGeom prst="rect">
+              <a:avLst/>
+            </a:prstGeom>
+            <a:noFill/>
+            <a:extLst>
+              <a:ext uri="{909E8E84-426E-40DD-AFC4-6F175D3DCCD1}">
+                <a14:hiddenFill xmlns:a14="http://schemas.microsoft.com/office/drawing/2010/main">
+                  <a:solidFill>
+                    <a:srgbClr val="FFFFFF"/>
+                  </a:solidFill>
+                </a14:hiddenFill>
+              </a:ext>
+            </a:extLst>
+          </p:spPr>
+        </p:pic>
+        <p:pic>
+          <p:nvPicPr>
+            <p:cNvPr id="2052" name="Picture 4" descr="C:\Users\gching\Desktop\Hackathon - Owl\pics\L.png"/>
+            <p:cNvPicPr>
+              <a:picLocks noChangeAspect="1" noChangeArrowheads="1"/>
+            </p:cNvPicPr>
+            <p:nvPr/>
+          </p:nvPicPr>
+          <p:blipFill>
+            <a:blip r:embed="rId5">
+              <a:extLst>
+                <a:ext uri="{28A0092B-C50C-407E-A947-70E740481C1C}">
+                  <a14:useLocalDpi xmlns:a14="http://schemas.microsoft.com/office/drawing/2010/main" val="0"/>
+                </a:ext>
+              </a:extLst>
+            </a:blip>
+            <a:srcRect/>
+            <a:stretch>
+              <a:fillRect/>
+            </a:stretch>
+          </p:blipFill>
+          <p:spPr bwMode="auto">
+            <a:xfrm rot="742903">
+              <a:off x="2057400" y="5554663"/>
+              <a:ext cx="838200" cy="1028700"/>
+            </a:xfrm>
+            <a:prstGeom prst="rect">
+              <a:avLst/>
+            </a:prstGeom>
+            <a:noFill/>
+            <a:extLst>
+              <a:ext uri="{909E8E84-426E-40DD-AFC4-6F175D3DCCD1}">
+                <a14:hiddenFill xmlns:a14="http://schemas.microsoft.com/office/drawing/2010/main">
+                  <a:solidFill>
+                    <a:srgbClr val="FFFFFF"/>
+                  </a:solidFill>
+                </a14:hiddenFill>
+              </a:ext>
+            </a:extLst>
+          </p:spPr>
+        </p:pic>
+      </p:grpSp>
     </p:spTree>
     <p:extLst>
       <p:ext uri="{BB962C8B-B14F-4D97-AF65-F5344CB8AC3E}">
-        <p14:creationId xmlns:p14="http://schemas.microsoft.com/office/powerpoint/2010/main" val="2228095266"/>
+        <p14:creationId xmlns:p14="http://schemas.microsoft.com/office/powerpoint/2010/main" val="7431403"/>
       </p:ext>
     </p:extLst>
   </p:cSld>
@@ -3666,6 +4203,922 @@
 </file>
 
 <file path=ppt/slides/slide5.xml><?xml version="1.0" encoding="utf-8"?>
+<p:sld xmlns:a="http://schemas.openxmlformats.org/drawingml/2006/main" xmlns:r="http://schemas.openxmlformats.org/officeDocument/2006/relationships" xmlns:p="http://schemas.openxmlformats.org/presentationml/2006/main">
+  <p:cSld>
+    <p:spTree>
+      <p:nvGrpSpPr>
+        <p:cNvPr id="1" name=""/>
+        <p:cNvGrpSpPr/>
+        <p:nvPr/>
+      </p:nvGrpSpPr>
+      <p:grpSpPr>
+        <a:xfrm>
+          <a:off x="0" y="0"/>
+          <a:ext cx="0" cy="0"/>
+          <a:chOff x="0" y="0"/>
+          <a:chExt cx="0" cy="0"/>
+        </a:xfrm>
+      </p:grpSpPr>
+      <p:sp>
+        <p:nvSpPr>
+          <p:cNvPr id="2" name="Title 1"/>
+          <p:cNvSpPr>
+            <a:spLocks noGrp="1"/>
+          </p:cNvSpPr>
+          <p:nvPr>
+            <p:ph type="title"/>
+          </p:nvPr>
+        </p:nvSpPr>
+        <p:spPr/>
+        <p:txBody>
+          <a:bodyPr/>
+          <a:lstStyle/>
+          <a:p>
+            <a:pPr algn="l"/>
+            <a:r>
+              <a:rPr lang="en-US" b="1" dirty="0" smtClean="0">
+                <a:solidFill>
+                  <a:srgbClr val="00B0F0"/>
+                </a:solidFill>
+              </a:rPr>
+              <a:t>Schema</a:t>
+            </a:r>
+            <a:endParaRPr lang="en-US" b="1" dirty="0">
+              <a:solidFill>
+                <a:srgbClr val="00B0F0"/>
+              </a:solidFill>
+            </a:endParaRPr>
+          </a:p>
+        </p:txBody>
+      </p:sp>
+      <p:sp>
+        <p:nvSpPr>
+          <p:cNvPr id="5" name="Content Placeholder 4"/>
+          <p:cNvSpPr>
+            <a:spLocks noGrp="1"/>
+          </p:cNvSpPr>
+          <p:nvPr>
+            <p:ph idx="1"/>
+          </p:nvPr>
+        </p:nvSpPr>
+        <p:spPr/>
+        <p:txBody>
+          <a:bodyPr/>
+          <a:lstStyle/>
+          <a:p>
+            <a:r>
+              <a:rPr lang="en-US" dirty="0" smtClean="0"/>
+              <a:t>USER </a:t>
+            </a:r>
+          </a:p>
+          <a:p>
+            <a:pPr lvl="1"/>
+            <a:r>
+              <a:rPr lang="en-US" dirty="0"/>
+              <a:t>u</a:t>
+            </a:r>
+            <a:r>
+              <a:rPr lang="en-US" dirty="0" smtClean="0"/>
+              <a:t>sername CHAR(50) PK</a:t>
+            </a:r>
+          </a:p>
+          <a:p>
+            <a:pPr lvl="1"/>
+            <a:r>
+              <a:rPr lang="en-US" dirty="0"/>
+              <a:t>n</a:t>
+            </a:r>
+            <a:r>
+              <a:rPr lang="en-US" dirty="0" smtClean="0"/>
+              <a:t>ame CHAR(100)</a:t>
+            </a:r>
+          </a:p>
+          <a:p>
+            <a:pPr lvl="1"/>
+            <a:r>
+              <a:rPr lang="en-US" dirty="0" err="1" smtClean="0"/>
+              <a:t>isAdmin</a:t>
+            </a:r>
+            <a:r>
+              <a:rPr lang="en-US" dirty="0" smtClean="0"/>
+              <a:t> BOOLEAN</a:t>
+            </a:r>
+          </a:p>
+          <a:p>
+            <a:pPr marL="0" indent="0">
+              <a:buNone/>
+            </a:pPr>
+            <a:r>
+              <a:rPr lang="en-US" dirty="0" smtClean="0"/>
+              <a:t>						CIE Engineer </a:t>
+            </a:r>
+            <a:r>
+              <a:rPr lang="en-US" dirty="0" smtClean="0">
+                <a:sym typeface="Wingdings" panose="05000000000000000000" pitchFamily="2" charset="2"/>
+              </a:rPr>
+              <a:t></a:t>
+            </a:r>
+            <a:endParaRPr lang="en-US" dirty="0"/>
+          </a:p>
+        </p:txBody>
+      </p:sp>
+      <p:grpSp>
+        <p:nvGrpSpPr>
+          <p:cNvPr id="6" name="Group 5"/>
+          <p:cNvGrpSpPr/>
+          <p:nvPr/>
+        </p:nvGrpSpPr>
+        <p:grpSpPr>
+          <a:xfrm>
+            <a:off x="152400" y="5541963"/>
+            <a:ext cx="2743200" cy="1326016"/>
+            <a:chOff x="152400" y="5541963"/>
+            <a:chExt cx="2743200" cy="1326016"/>
+          </a:xfrm>
+        </p:grpSpPr>
+        <p:pic>
+          <p:nvPicPr>
+            <p:cNvPr id="2050" name="Picture 2" descr="C:\Users\gching\Desktop\Hackathon - Owl\pics\O.png"/>
+            <p:cNvPicPr>
+              <a:picLocks noChangeAspect="1" noChangeArrowheads="1"/>
+            </p:cNvPicPr>
+            <p:nvPr/>
+          </p:nvPicPr>
+          <p:blipFill>
+            <a:blip r:embed="rId2">
+              <a:extLst>
+                <a:ext uri="{28A0092B-C50C-407E-A947-70E740481C1C}">
+                  <a14:useLocalDpi xmlns:a14="http://schemas.microsoft.com/office/drawing/2010/main" val="0"/>
+                </a:ext>
+              </a:extLst>
+            </a:blip>
+            <a:srcRect/>
+            <a:stretch>
+              <a:fillRect/>
+            </a:stretch>
+          </p:blipFill>
+          <p:spPr bwMode="auto">
+            <a:xfrm rot="20566509">
+              <a:off x="152400" y="5541963"/>
+              <a:ext cx="965200" cy="1054100"/>
+            </a:xfrm>
+            <a:prstGeom prst="rect">
+              <a:avLst/>
+            </a:prstGeom>
+            <a:noFill/>
+            <a:extLst>
+              <a:ext uri="{909E8E84-426E-40DD-AFC4-6F175D3DCCD1}">
+                <a14:hiddenFill xmlns:a14="http://schemas.microsoft.com/office/drawing/2010/main">
+                  <a:solidFill>
+                    <a:srgbClr val="FFFFFF"/>
+                  </a:solidFill>
+                </a14:hiddenFill>
+              </a:ext>
+            </a:extLst>
+          </p:spPr>
+        </p:pic>
+        <p:pic>
+          <p:nvPicPr>
+            <p:cNvPr id="2051" name="Picture 3" descr="C:\Users\gching\Desktop\Hackathon - Owl\pics\W.png"/>
+            <p:cNvPicPr>
+              <a:picLocks noChangeAspect="1" noChangeArrowheads="1"/>
+            </p:cNvPicPr>
+            <p:nvPr/>
+          </p:nvPicPr>
+          <p:blipFill>
+            <a:blip r:embed="rId3">
+              <a:extLst>
+                <a:ext uri="{28A0092B-C50C-407E-A947-70E740481C1C}">
+                  <a14:useLocalDpi xmlns:a14="http://schemas.microsoft.com/office/drawing/2010/main" val="0"/>
+                </a:ext>
+              </a:extLst>
+            </a:blip>
+            <a:srcRect/>
+            <a:stretch>
+              <a:fillRect/>
+            </a:stretch>
+          </p:blipFill>
+          <p:spPr bwMode="auto">
+            <a:xfrm>
+              <a:off x="990600" y="5864679"/>
+              <a:ext cx="1270000" cy="1003300"/>
+            </a:xfrm>
+            <a:prstGeom prst="rect">
+              <a:avLst/>
+            </a:prstGeom>
+            <a:noFill/>
+            <a:extLst>
+              <a:ext uri="{909E8E84-426E-40DD-AFC4-6F175D3DCCD1}">
+                <a14:hiddenFill xmlns:a14="http://schemas.microsoft.com/office/drawing/2010/main">
+                  <a:solidFill>
+                    <a:srgbClr val="FFFFFF"/>
+                  </a:solidFill>
+                </a14:hiddenFill>
+              </a:ext>
+            </a:extLst>
+          </p:spPr>
+        </p:pic>
+        <p:pic>
+          <p:nvPicPr>
+            <p:cNvPr id="2052" name="Picture 4" descr="C:\Users\gching\Desktop\Hackathon - Owl\pics\L.png"/>
+            <p:cNvPicPr>
+              <a:picLocks noChangeAspect="1" noChangeArrowheads="1"/>
+            </p:cNvPicPr>
+            <p:nvPr/>
+          </p:nvPicPr>
+          <p:blipFill>
+            <a:blip r:embed="rId4">
+              <a:extLst>
+                <a:ext uri="{28A0092B-C50C-407E-A947-70E740481C1C}">
+                  <a14:useLocalDpi xmlns:a14="http://schemas.microsoft.com/office/drawing/2010/main" val="0"/>
+                </a:ext>
+              </a:extLst>
+            </a:blip>
+            <a:srcRect/>
+            <a:stretch>
+              <a:fillRect/>
+            </a:stretch>
+          </p:blipFill>
+          <p:spPr bwMode="auto">
+            <a:xfrm rot="742903">
+              <a:off x="2057400" y="5554663"/>
+              <a:ext cx="838200" cy="1028700"/>
+            </a:xfrm>
+            <a:prstGeom prst="rect">
+              <a:avLst/>
+            </a:prstGeom>
+            <a:noFill/>
+            <a:extLst>
+              <a:ext uri="{909E8E84-426E-40DD-AFC4-6F175D3DCCD1}">
+                <a14:hiddenFill xmlns:a14="http://schemas.microsoft.com/office/drawing/2010/main">
+                  <a:solidFill>
+                    <a:srgbClr val="FFFFFF"/>
+                  </a:solidFill>
+                </a14:hiddenFill>
+              </a:ext>
+            </a:extLst>
+          </p:spPr>
+        </p:pic>
+      </p:grpSp>
+      <p:pic>
+        <p:nvPicPr>
+          <p:cNvPr id="2053" name="Picture 5" descr="C:\Users\gching\Documents\My Received Files\logo.jpg"/>
+          <p:cNvPicPr>
+            <a:picLocks noChangeAspect="1" noChangeArrowheads="1"/>
+          </p:cNvPicPr>
+          <p:nvPr/>
+        </p:nvPicPr>
+        <p:blipFill>
+          <a:blip r:embed="rId5" cstate="print">
+            <a:extLst>
+              <a:ext uri="{28A0092B-C50C-407E-A947-70E740481C1C}">
+                <a14:useLocalDpi xmlns:a14="http://schemas.microsoft.com/office/drawing/2010/main" val="0"/>
+              </a:ext>
+            </a:extLst>
+          </a:blip>
+          <a:srcRect/>
+          <a:stretch>
+            <a:fillRect/>
+          </a:stretch>
+        </p:blipFill>
+        <p:spPr bwMode="auto">
+          <a:xfrm>
+            <a:off x="6248400" y="685800"/>
+            <a:ext cx="2264229" cy="2892879"/>
+          </a:xfrm>
+          <a:prstGeom prst="rect">
+            <a:avLst/>
+          </a:prstGeom>
+          <a:noFill/>
+          <a:extLst>
+            <a:ext uri="{909E8E84-426E-40DD-AFC4-6F175D3DCCD1}">
+              <a14:hiddenFill xmlns:a14="http://schemas.microsoft.com/office/drawing/2010/main">
+                <a:solidFill>
+                  <a:srgbClr val="FFFFFF"/>
+                </a:solidFill>
+              </a14:hiddenFill>
+            </a:ext>
+          </a:extLst>
+        </p:spPr>
+      </p:pic>
+    </p:spTree>
+    <p:extLst>
+      <p:ext uri="{BB962C8B-B14F-4D97-AF65-F5344CB8AC3E}">
+        <p14:creationId xmlns:p14="http://schemas.microsoft.com/office/powerpoint/2010/main" val="2026033817"/>
+      </p:ext>
+    </p:extLst>
+  </p:cSld>
+  <p:clrMapOvr>
+    <a:masterClrMapping/>
+  </p:clrMapOvr>
+  <p:timing>
+    <p:tnLst>
+      <p:par>
+        <p:cTn id="1" dur="indefinite" restart="never" nodeType="tmRoot"/>
+      </p:par>
+    </p:tnLst>
+  </p:timing>
+</p:sld>
+</file>
+
+<file path=ppt/slides/slide6.xml><?xml version="1.0" encoding="utf-8"?>
+<p:sld xmlns:a="http://schemas.openxmlformats.org/drawingml/2006/main" xmlns:r="http://schemas.openxmlformats.org/officeDocument/2006/relationships" xmlns:p="http://schemas.openxmlformats.org/presentationml/2006/main">
+  <p:cSld>
+    <p:spTree>
+      <p:nvGrpSpPr>
+        <p:cNvPr id="1" name=""/>
+        <p:cNvGrpSpPr/>
+        <p:nvPr/>
+      </p:nvGrpSpPr>
+      <p:grpSpPr>
+        <a:xfrm>
+          <a:off x="0" y="0"/>
+          <a:ext cx="0" cy="0"/>
+          <a:chOff x="0" y="0"/>
+          <a:chExt cx="0" cy="0"/>
+        </a:xfrm>
+      </p:grpSpPr>
+      <p:sp>
+        <p:nvSpPr>
+          <p:cNvPr id="2" name="Title 1"/>
+          <p:cNvSpPr>
+            <a:spLocks noGrp="1"/>
+          </p:cNvSpPr>
+          <p:nvPr>
+            <p:ph type="title"/>
+          </p:nvPr>
+        </p:nvSpPr>
+        <p:spPr/>
+        <p:txBody>
+          <a:bodyPr/>
+          <a:lstStyle/>
+          <a:p>
+            <a:pPr algn="l"/>
+            <a:r>
+              <a:rPr lang="en-US" b="1" dirty="0" smtClean="0">
+                <a:solidFill>
+                  <a:srgbClr val="00B0F0"/>
+                </a:solidFill>
+              </a:rPr>
+              <a:t>Schema</a:t>
+            </a:r>
+            <a:endParaRPr lang="en-US" b="1" dirty="0">
+              <a:solidFill>
+                <a:srgbClr val="00B0F0"/>
+              </a:solidFill>
+            </a:endParaRPr>
+          </a:p>
+        </p:txBody>
+      </p:sp>
+      <p:sp>
+        <p:nvSpPr>
+          <p:cNvPr id="5" name="Content Placeholder 4"/>
+          <p:cNvSpPr>
+            <a:spLocks noGrp="1"/>
+          </p:cNvSpPr>
+          <p:nvPr>
+            <p:ph idx="1"/>
+          </p:nvPr>
+        </p:nvSpPr>
+        <p:spPr>
+          <a:xfrm>
+            <a:off x="381000" y="1371373"/>
+            <a:ext cx="8229600" cy="4525963"/>
+          </a:xfrm>
+        </p:spPr>
+        <p:txBody>
+          <a:bodyPr/>
+          <a:lstStyle/>
+          <a:p>
+            <a:r>
+              <a:rPr lang="en-US" dirty="0" smtClean="0"/>
+              <a:t>BORROW</a:t>
+            </a:r>
+          </a:p>
+          <a:p>
+            <a:pPr lvl="1"/>
+            <a:r>
+              <a:rPr lang="en-US" dirty="0" err="1" smtClean="0"/>
+              <a:t>borrowId</a:t>
+            </a:r>
+            <a:r>
+              <a:rPr lang="en-US" dirty="0" smtClean="0"/>
+              <a:t> INTEGER AUTOINCREMENT </a:t>
+            </a:r>
+            <a:r>
+              <a:rPr lang="en-US" b="1" dirty="0" smtClean="0"/>
+              <a:t>PK</a:t>
+            </a:r>
+          </a:p>
+          <a:p>
+            <a:pPr lvl="1"/>
+            <a:r>
+              <a:rPr lang="en-US" dirty="0" err="1" smtClean="0"/>
+              <a:t>borrowDate</a:t>
+            </a:r>
+            <a:r>
+              <a:rPr lang="en-US" dirty="0" smtClean="0"/>
+              <a:t> DATE</a:t>
+            </a:r>
+          </a:p>
+          <a:p>
+            <a:pPr lvl="1"/>
+            <a:r>
+              <a:rPr lang="en-US" dirty="0" err="1" smtClean="0"/>
+              <a:t>dueDate</a:t>
+            </a:r>
+            <a:r>
+              <a:rPr lang="en-US" dirty="0" smtClean="0"/>
+              <a:t> DATE</a:t>
+            </a:r>
+          </a:p>
+          <a:p>
+            <a:pPr lvl="1"/>
+            <a:r>
+              <a:rPr lang="en-US" dirty="0" err="1" smtClean="0"/>
+              <a:t>returnDate</a:t>
+            </a:r>
+            <a:endParaRPr lang="en-US" dirty="0" smtClean="0"/>
+          </a:p>
+          <a:p>
+            <a:pPr lvl="1"/>
+            <a:r>
+              <a:rPr lang="en-US" dirty="0" err="1" smtClean="0"/>
+              <a:t>borrowReason</a:t>
+            </a:r>
+            <a:endParaRPr lang="en-US" dirty="0" smtClean="0"/>
+          </a:p>
+          <a:p>
+            <a:pPr lvl="1"/>
+            <a:r>
+              <a:rPr lang="en-US" dirty="0"/>
+              <a:t>u</a:t>
+            </a:r>
+            <a:r>
+              <a:rPr lang="en-US" dirty="0" smtClean="0"/>
+              <a:t>sername </a:t>
+            </a:r>
+            <a:r>
+              <a:rPr lang="en-US" b="1" dirty="0" smtClean="0"/>
+              <a:t>FK</a:t>
+            </a:r>
+            <a:r>
+              <a:rPr lang="en-US" dirty="0" smtClean="0"/>
+              <a:t> USER(username)</a:t>
+            </a:r>
+          </a:p>
+          <a:p>
+            <a:pPr lvl="1"/>
+            <a:r>
+              <a:rPr lang="en-US" dirty="0" err="1" smtClean="0"/>
+              <a:t>bookId</a:t>
+            </a:r>
+            <a:r>
+              <a:rPr lang="en-US" dirty="0" smtClean="0"/>
+              <a:t> </a:t>
+            </a:r>
+            <a:r>
+              <a:rPr lang="en-US" b="1" dirty="0" smtClean="0"/>
+              <a:t>FK</a:t>
+            </a:r>
+            <a:r>
+              <a:rPr lang="en-US" dirty="0" smtClean="0"/>
+              <a:t> BOOK(</a:t>
+            </a:r>
+            <a:r>
+              <a:rPr lang="en-US" dirty="0" err="1" smtClean="0"/>
+              <a:t>bookID</a:t>
+            </a:r>
+            <a:r>
+              <a:rPr lang="en-US" dirty="0" smtClean="0"/>
+              <a:t>)</a:t>
+            </a:r>
+          </a:p>
+          <a:p>
+            <a:endParaRPr lang="en-US" dirty="0"/>
+          </a:p>
+        </p:txBody>
+      </p:sp>
+      <p:grpSp>
+        <p:nvGrpSpPr>
+          <p:cNvPr id="6" name="Group 5"/>
+          <p:cNvGrpSpPr/>
+          <p:nvPr/>
+        </p:nvGrpSpPr>
+        <p:grpSpPr>
+          <a:xfrm>
+            <a:off x="152400" y="5541963"/>
+            <a:ext cx="2743200" cy="1326016"/>
+            <a:chOff x="152400" y="5541963"/>
+            <a:chExt cx="2743200" cy="1326016"/>
+          </a:xfrm>
+        </p:grpSpPr>
+        <p:pic>
+          <p:nvPicPr>
+            <p:cNvPr id="2050" name="Picture 2" descr="C:\Users\gching\Desktop\Hackathon - Owl\pics\O.png"/>
+            <p:cNvPicPr>
+              <a:picLocks noChangeAspect="1" noChangeArrowheads="1"/>
+            </p:cNvPicPr>
+            <p:nvPr/>
+          </p:nvPicPr>
+          <p:blipFill>
+            <a:blip r:embed="rId2">
+              <a:extLst>
+                <a:ext uri="{28A0092B-C50C-407E-A947-70E740481C1C}">
+                  <a14:useLocalDpi xmlns:a14="http://schemas.microsoft.com/office/drawing/2010/main" val="0"/>
+                </a:ext>
+              </a:extLst>
+            </a:blip>
+            <a:srcRect/>
+            <a:stretch>
+              <a:fillRect/>
+            </a:stretch>
+          </p:blipFill>
+          <p:spPr bwMode="auto">
+            <a:xfrm rot="20566509">
+              <a:off x="152400" y="5541963"/>
+              <a:ext cx="965200" cy="1054100"/>
+            </a:xfrm>
+            <a:prstGeom prst="rect">
+              <a:avLst/>
+            </a:prstGeom>
+            <a:noFill/>
+            <a:extLst>
+              <a:ext uri="{909E8E84-426E-40DD-AFC4-6F175D3DCCD1}">
+                <a14:hiddenFill xmlns:a14="http://schemas.microsoft.com/office/drawing/2010/main">
+                  <a:solidFill>
+                    <a:srgbClr val="FFFFFF"/>
+                  </a:solidFill>
+                </a14:hiddenFill>
+              </a:ext>
+            </a:extLst>
+          </p:spPr>
+        </p:pic>
+        <p:pic>
+          <p:nvPicPr>
+            <p:cNvPr id="2051" name="Picture 3" descr="C:\Users\gching\Desktop\Hackathon - Owl\pics\W.png"/>
+            <p:cNvPicPr>
+              <a:picLocks noChangeAspect="1" noChangeArrowheads="1"/>
+            </p:cNvPicPr>
+            <p:nvPr/>
+          </p:nvPicPr>
+          <p:blipFill>
+            <a:blip r:embed="rId3">
+              <a:extLst>
+                <a:ext uri="{28A0092B-C50C-407E-A947-70E740481C1C}">
+                  <a14:useLocalDpi xmlns:a14="http://schemas.microsoft.com/office/drawing/2010/main" val="0"/>
+                </a:ext>
+              </a:extLst>
+            </a:blip>
+            <a:srcRect/>
+            <a:stretch>
+              <a:fillRect/>
+            </a:stretch>
+          </p:blipFill>
+          <p:spPr bwMode="auto">
+            <a:xfrm>
+              <a:off x="990600" y="5864679"/>
+              <a:ext cx="1270000" cy="1003300"/>
+            </a:xfrm>
+            <a:prstGeom prst="rect">
+              <a:avLst/>
+            </a:prstGeom>
+            <a:noFill/>
+            <a:extLst>
+              <a:ext uri="{909E8E84-426E-40DD-AFC4-6F175D3DCCD1}">
+                <a14:hiddenFill xmlns:a14="http://schemas.microsoft.com/office/drawing/2010/main">
+                  <a:solidFill>
+                    <a:srgbClr val="FFFFFF"/>
+                  </a:solidFill>
+                </a14:hiddenFill>
+              </a:ext>
+            </a:extLst>
+          </p:spPr>
+        </p:pic>
+        <p:pic>
+          <p:nvPicPr>
+            <p:cNvPr id="2052" name="Picture 4" descr="C:\Users\gching\Desktop\Hackathon - Owl\pics\L.png"/>
+            <p:cNvPicPr>
+              <a:picLocks noChangeAspect="1" noChangeArrowheads="1"/>
+            </p:cNvPicPr>
+            <p:nvPr/>
+          </p:nvPicPr>
+          <p:blipFill>
+            <a:blip r:embed="rId4">
+              <a:extLst>
+                <a:ext uri="{28A0092B-C50C-407E-A947-70E740481C1C}">
+                  <a14:useLocalDpi xmlns:a14="http://schemas.microsoft.com/office/drawing/2010/main" val="0"/>
+                </a:ext>
+              </a:extLst>
+            </a:blip>
+            <a:srcRect/>
+            <a:stretch>
+              <a:fillRect/>
+            </a:stretch>
+          </p:blipFill>
+          <p:spPr bwMode="auto">
+            <a:xfrm rot="742903">
+              <a:off x="2057400" y="5554663"/>
+              <a:ext cx="838200" cy="1028700"/>
+            </a:xfrm>
+            <a:prstGeom prst="rect">
+              <a:avLst/>
+            </a:prstGeom>
+            <a:noFill/>
+            <a:extLst>
+              <a:ext uri="{909E8E84-426E-40DD-AFC4-6F175D3DCCD1}">
+                <a14:hiddenFill xmlns:a14="http://schemas.microsoft.com/office/drawing/2010/main">
+                  <a:solidFill>
+                    <a:srgbClr val="FFFFFF"/>
+                  </a:solidFill>
+                </a14:hiddenFill>
+              </a:ext>
+            </a:extLst>
+          </p:spPr>
+        </p:pic>
+      </p:grpSp>
+    </p:spTree>
+    <p:extLst>
+      <p:ext uri="{BB962C8B-B14F-4D97-AF65-F5344CB8AC3E}">
+        <p14:creationId xmlns:p14="http://schemas.microsoft.com/office/powerpoint/2010/main" val="2880893035"/>
+      </p:ext>
+    </p:extLst>
+  </p:cSld>
+  <p:clrMapOvr>
+    <a:masterClrMapping/>
+  </p:clrMapOvr>
+  <p:timing>
+    <p:tnLst>
+      <p:par>
+        <p:cTn id="1" dur="indefinite" restart="never" nodeType="tmRoot"/>
+      </p:par>
+    </p:tnLst>
+  </p:timing>
+</p:sld>
+</file>
+
+<file path=ppt/slides/slide7.xml><?xml version="1.0" encoding="utf-8"?>
+<p:sld xmlns:a="http://schemas.openxmlformats.org/drawingml/2006/main" xmlns:r="http://schemas.openxmlformats.org/officeDocument/2006/relationships" xmlns:p="http://schemas.openxmlformats.org/presentationml/2006/main">
+  <p:cSld>
+    <p:spTree>
+      <p:nvGrpSpPr>
+        <p:cNvPr id="1" name=""/>
+        <p:cNvGrpSpPr/>
+        <p:nvPr/>
+      </p:nvGrpSpPr>
+      <p:grpSpPr>
+        <a:xfrm>
+          <a:off x="0" y="0"/>
+          <a:ext cx="0" cy="0"/>
+          <a:chOff x="0" y="0"/>
+          <a:chExt cx="0" cy="0"/>
+        </a:xfrm>
+      </p:grpSpPr>
+      <p:sp>
+        <p:nvSpPr>
+          <p:cNvPr id="2" name="Title 1"/>
+          <p:cNvSpPr>
+            <a:spLocks noGrp="1"/>
+          </p:cNvSpPr>
+          <p:nvPr>
+            <p:ph type="title"/>
+          </p:nvPr>
+        </p:nvSpPr>
+        <p:spPr/>
+        <p:txBody>
+          <a:bodyPr/>
+          <a:lstStyle/>
+          <a:p>
+            <a:r>
+              <a:rPr lang="en-US" b="1" dirty="0" smtClean="0">
+                <a:solidFill>
+                  <a:srgbClr val="00B0F0"/>
+                </a:solidFill>
+              </a:rPr>
+              <a:t>Future Functionality</a:t>
+            </a:r>
+            <a:endParaRPr lang="en-US" b="1" dirty="0">
+              <a:solidFill>
+                <a:srgbClr val="00B0F0"/>
+              </a:solidFill>
+            </a:endParaRPr>
+          </a:p>
+        </p:txBody>
+      </p:sp>
+      <p:sp>
+        <p:nvSpPr>
+          <p:cNvPr id="3" name="Content Placeholder 2"/>
+          <p:cNvSpPr>
+            <a:spLocks noGrp="1"/>
+          </p:cNvSpPr>
+          <p:nvPr>
+            <p:ph idx="1"/>
+          </p:nvPr>
+        </p:nvSpPr>
+        <p:spPr/>
+        <p:txBody>
+          <a:bodyPr/>
+          <a:lstStyle/>
+          <a:p>
+            <a:r>
+              <a:rPr lang="en-US" dirty="0" smtClean="0"/>
+              <a:t>Automatically determine username of user</a:t>
+            </a:r>
+          </a:p>
+          <a:p>
+            <a:r>
+              <a:rPr lang="en-US" dirty="0" smtClean="0"/>
+              <a:t>Users as admin</a:t>
+            </a:r>
+          </a:p>
+          <a:p>
+            <a:r>
+              <a:rPr lang="en-US" dirty="0" smtClean="0"/>
+              <a:t>Waiting list</a:t>
+            </a:r>
+          </a:p>
+          <a:p>
+            <a:r>
+              <a:rPr lang="en-US" dirty="0" smtClean="0"/>
+              <a:t>Notifications for:</a:t>
+            </a:r>
+          </a:p>
+          <a:p>
+            <a:pPr lvl="1"/>
+            <a:r>
+              <a:rPr lang="en-US" dirty="0" smtClean="0"/>
+              <a:t>Due date reminders</a:t>
+            </a:r>
+          </a:p>
+          <a:p>
+            <a:pPr lvl="1"/>
+            <a:r>
+              <a:rPr lang="en-US" dirty="0" smtClean="0"/>
+              <a:t>Availability of books on waiting list</a:t>
+            </a:r>
+            <a:endParaRPr lang="en-US" dirty="0"/>
+          </a:p>
+        </p:txBody>
+      </p:sp>
+      <p:grpSp>
+        <p:nvGrpSpPr>
+          <p:cNvPr id="4" name="Group 3"/>
+          <p:cNvGrpSpPr/>
+          <p:nvPr/>
+        </p:nvGrpSpPr>
+        <p:grpSpPr>
+          <a:xfrm>
+            <a:off x="152400" y="5541963"/>
+            <a:ext cx="2743200" cy="1326016"/>
+            <a:chOff x="152400" y="5541963"/>
+            <a:chExt cx="2743200" cy="1326016"/>
+          </a:xfrm>
+        </p:grpSpPr>
+        <p:pic>
+          <p:nvPicPr>
+            <p:cNvPr id="5" name="Picture 2" descr="C:\Users\gching\Desktop\Hackathon - Owl\pics\O.png"/>
+            <p:cNvPicPr>
+              <a:picLocks noChangeAspect="1" noChangeArrowheads="1"/>
+            </p:cNvPicPr>
+            <p:nvPr/>
+          </p:nvPicPr>
+          <p:blipFill>
+            <a:blip r:embed="rId2">
+              <a:extLst>
+                <a:ext uri="{28A0092B-C50C-407E-A947-70E740481C1C}">
+                  <a14:useLocalDpi xmlns:a14="http://schemas.microsoft.com/office/drawing/2010/main" val="0"/>
+                </a:ext>
+              </a:extLst>
+            </a:blip>
+            <a:srcRect/>
+            <a:stretch>
+              <a:fillRect/>
+            </a:stretch>
+          </p:blipFill>
+          <p:spPr bwMode="auto">
+            <a:xfrm rot="20566509">
+              <a:off x="152400" y="5541963"/>
+              <a:ext cx="965200" cy="1054100"/>
+            </a:xfrm>
+            <a:prstGeom prst="rect">
+              <a:avLst/>
+            </a:prstGeom>
+            <a:noFill/>
+            <a:extLst>
+              <a:ext uri="{909E8E84-426E-40DD-AFC4-6F175D3DCCD1}">
+                <a14:hiddenFill xmlns:a14="http://schemas.microsoft.com/office/drawing/2010/main">
+                  <a:solidFill>
+                    <a:srgbClr val="FFFFFF"/>
+                  </a:solidFill>
+                </a14:hiddenFill>
+              </a:ext>
+            </a:extLst>
+          </p:spPr>
+        </p:pic>
+        <p:pic>
+          <p:nvPicPr>
+            <p:cNvPr id="6" name="Picture 3" descr="C:\Users\gching\Desktop\Hackathon - Owl\pics\W.png"/>
+            <p:cNvPicPr>
+              <a:picLocks noChangeAspect="1" noChangeArrowheads="1"/>
+            </p:cNvPicPr>
+            <p:nvPr/>
+          </p:nvPicPr>
+          <p:blipFill>
+            <a:blip r:embed="rId3">
+              <a:extLst>
+                <a:ext uri="{28A0092B-C50C-407E-A947-70E740481C1C}">
+                  <a14:useLocalDpi xmlns:a14="http://schemas.microsoft.com/office/drawing/2010/main" val="0"/>
+                </a:ext>
+              </a:extLst>
+            </a:blip>
+            <a:srcRect/>
+            <a:stretch>
+              <a:fillRect/>
+            </a:stretch>
+          </p:blipFill>
+          <p:spPr bwMode="auto">
+            <a:xfrm>
+              <a:off x="990600" y="5864679"/>
+              <a:ext cx="1270000" cy="1003300"/>
+            </a:xfrm>
+            <a:prstGeom prst="rect">
+              <a:avLst/>
+            </a:prstGeom>
+            <a:noFill/>
+            <a:extLst>
+              <a:ext uri="{909E8E84-426E-40DD-AFC4-6F175D3DCCD1}">
+                <a14:hiddenFill xmlns:a14="http://schemas.microsoft.com/office/drawing/2010/main">
+                  <a:solidFill>
+                    <a:srgbClr val="FFFFFF"/>
+                  </a:solidFill>
+                </a14:hiddenFill>
+              </a:ext>
+            </a:extLst>
+          </p:spPr>
+        </p:pic>
+        <p:pic>
+          <p:nvPicPr>
+            <p:cNvPr id="7" name="Picture 4" descr="C:\Users\gching\Desktop\Hackathon - Owl\pics\L.png"/>
+            <p:cNvPicPr>
+              <a:picLocks noChangeAspect="1" noChangeArrowheads="1"/>
+            </p:cNvPicPr>
+            <p:nvPr/>
+          </p:nvPicPr>
+          <p:blipFill>
+            <a:blip r:embed="rId4">
+              <a:extLst>
+                <a:ext uri="{28A0092B-C50C-407E-A947-70E740481C1C}">
+                  <a14:useLocalDpi xmlns:a14="http://schemas.microsoft.com/office/drawing/2010/main" val="0"/>
+                </a:ext>
+              </a:extLst>
+            </a:blip>
+            <a:srcRect/>
+            <a:stretch>
+              <a:fillRect/>
+            </a:stretch>
+          </p:blipFill>
+          <p:spPr bwMode="auto">
+            <a:xfrm rot="742903">
+              <a:off x="2057400" y="5554663"/>
+              <a:ext cx="838200" cy="1028700"/>
+            </a:xfrm>
+            <a:prstGeom prst="rect">
+              <a:avLst/>
+            </a:prstGeom>
+            <a:noFill/>
+            <a:extLst>
+              <a:ext uri="{909E8E84-426E-40DD-AFC4-6F175D3DCCD1}">
+                <a14:hiddenFill xmlns:a14="http://schemas.microsoft.com/office/drawing/2010/main">
+                  <a:solidFill>
+                    <a:srgbClr val="FFFFFF"/>
+                  </a:solidFill>
+                </a14:hiddenFill>
+              </a:ext>
+            </a:extLst>
+          </p:spPr>
+        </p:pic>
+      </p:grpSp>
+    </p:spTree>
+    <p:extLst>
+      <p:ext uri="{BB962C8B-B14F-4D97-AF65-F5344CB8AC3E}">
+        <p14:creationId xmlns:p14="http://schemas.microsoft.com/office/powerpoint/2010/main" val="1330120750"/>
+      </p:ext>
+    </p:extLst>
+  </p:cSld>
+  <p:clrMapOvr>
+    <a:masterClrMapping/>
+  </p:clrMapOvr>
+  <p:timing>
+    <p:tnLst>
+      <p:par>
+        <p:cTn id="1" dur="indefinite" restart="never" nodeType="tmRoot"/>
+      </p:par>
+    </p:tnLst>
+  </p:timing>
+</p:sld>
+</file>
+
+<file path=ppt/slides/slide8.xml><?xml version="1.0" encoding="utf-8"?>
 <p:sld xmlns:a="http://schemas.openxmlformats.org/drawingml/2006/main" xmlns:r="http://schemas.openxmlformats.org/officeDocument/2006/relationships" xmlns:p="http://schemas.openxmlformats.org/presentationml/2006/main">
   <p:cSld>
     <p:spTree>

--- a/OWL.pptx
+++ b/OWL.pptx
@@ -5152,20 +5152,33 @@
           </a:xfrm>
         </p:spPr>
         <p:txBody>
-          <a:bodyPr/>
-          <a:lstStyle/>
-          <a:p>
-            <a:r>
-              <a:rPr lang="en-US" dirty="0" smtClean="0"/>
-              <a:t>Thank you! </a:t>
-            </a:r>
-            <a:r>
-              <a:rPr lang="en-US" dirty="0" smtClean="0">
+          <a:bodyPr>
+            <a:normAutofit/>
+          </a:bodyPr>
+          <a:lstStyle/>
+          <a:p>
+            <a:r>
+              <a:rPr lang="en-US" b="1" dirty="0" smtClean="0">
+                <a:solidFill>
+                  <a:srgbClr val="00B0F0"/>
+                </a:solidFill>
+              </a:rPr>
+              <a:t>Meet the team! </a:t>
+            </a:r>
+            <a:r>
+              <a:rPr lang="en-US" b="1" dirty="0" smtClean="0">
+                <a:solidFill>
+                  <a:srgbClr val="00B0F0"/>
+                </a:solidFill>
                 <a:sym typeface="Wingdings" panose="05000000000000000000" pitchFamily="2" charset="2"/>
               </a:rPr>
               <a:t></a:t>
             </a:r>
-            <a:endParaRPr lang="en-US" dirty="0"/>
+            <a:endParaRPr lang="en-US" b="1" dirty="0">
+              <a:solidFill>
+                <a:srgbClr val="00B0F0"/>
+              </a:solidFill>
+            </a:endParaRPr>
           </a:p>
         </p:txBody>
       </p:sp>
